--- a/functionbuttons.pptx
+++ b/functionbuttons.pptx
@@ -9,6 +9,8 @@
     <p:sldId id="259" r:id="rId3"/>
     <p:sldId id="257" r:id="rId4"/>
     <p:sldId id="258" r:id="rId5"/>
+    <p:sldId id="261" r:id="rId6"/>
+    <p:sldId id="260" r:id="rId7"/>
   </p:sldIdLst>
   <p:sldSz cx="12192000" cy="6858000"/>
   <p:notesSz cx="6858000" cy="9144000"/>
@@ -107,6 +109,11 @@
       </a:defRPr>
     </a:lvl9pPr>
   </p:defaultTextStyle>
+  <p:extLst>
+    <p:ext uri="{EFAFB233-063F-42B5-8137-9DF3F51BA10A}">
+      <p15:sldGuideLst xmlns:p15="http://schemas.microsoft.com/office/powerpoint/2012/main"/>
+    </p:ext>
+  </p:extLst>
 </p:presentation>
 </file>
 
@@ -241,7 +248,7 @@
           <a:p>
             <a:fld id="{C4952158-F6FE-8144-9F31-4BF7E8909836}" type="datetimeFigureOut">
               <a:rPr lang="de-DE" smtClean="0"/>
-              <a:t>04.09.17</a:t>
+              <a:t>10.09.17</a:t>
             </a:fld>
             <a:endParaRPr lang="de-DE"/>
           </a:p>
@@ -411,7 +418,7 @@
           <a:p>
             <a:fld id="{C4952158-F6FE-8144-9F31-4BF7E8909836}" type="datetimeFigureOut">
               <a:rPr lang="de-DE" smtClean="0"/>
-              <a:t>04.09.17</a:t>
+              <a:t>10.09.17</a:t>
             </a:fld>
             <a:endParaRPr lang="de-DE"/>
           </a:p>
@@ -591,7 +598,7 @@
           <a:p>
             <a:fld id="{C4952158-F6FE-8144-9F31-4BF7E8909836}" type="datetimeFigureOut">
               <a:rPr lang="de-DE" smtClean="0"/>
-              <a:t>04.09.17</a:t>
+              <a:t>10.09.17</a:t>
             </a:fld>
             <a:endParaRPr lang="de-DE"/>
           </a:p>
@@ -761,7 +768,7 @@
           <a:p>
             <a:fld id="{C4952158-F6FE-8144-9F31-4BF7E8909836}" type="datetimeFigureOut">
               <a:rPr lang="de-DE" smtClean="0"/>
-              <a:t>04.09.17</a:t>
+              <a:t>10.09.17</a:t>
             </a:fld>
             <a:endParaRPr lang="de-DE"/>
           </a:p>
@@ -1007,7 +1014,7 @@
           <a:p>
             <a:fld id="{C4952158-F6FE-8144-9F31-4BF7E8909836}" type="datetimeFigureOut">
               <a:rPr lang="de-DE" smtClean="0"/>
-              <a:t>04.09.17</a:t>
+              <a:t>10.09.17</a:t>
             </a:fld>
             <a:endParaRPr lang="de-DE"/>
           </a:p>
@@ -1239,7 +1246,7 @@
           <a:p>
             <a:fld id="{C4952158-F6FE-8144-9F31-4BF7E8909836}" type="datetimeFigureOut">
               <a:rPr lang="de-DE" smtClean="0"/>
-              <a:t>04.09.17</a:t>
+              <a:t>10.09.17</a:t>
             </a:fld>
             <a:endParaRPr lang="de-DE"/>
           </a:p>
@@ -1606,7 +1613,7 @@
           <a:p>
             <a:fld id="{C4952158-F6FE-8144-9F31-4BF7E8909836}" type="datetimeFigureOut">
               <a:rPr lang="de-DE" smtClean="0"/>
-              <a:t>04.09.17</a:t>
+              <a:t>10.09.17</a:t>
             </a:fld>
             <a:endParaRPr lang="de-DE"/>
           </a:p>
@@ -1724,7 +1731,7 @@
           <a:p>
             <a:fld id="{C4952158-F6FE-8144-9F31-4BF7E8909836}" type="datetimeFigureOut">
               <a:rPr lang="de-DE" smtClean="0"/>
-              <a:t>04.09.17</a:t>
+              <a:t>10.09.17</a:t>
             </a:fld>
             <a:endParaRPr lang="de-DE"/>
           </a:p>
@@ -1819,7 +1826,7 @@
           <a:p>
             <a:fld id="{C4952158-F6FE-8144-9F31-4BF7E8909836}" type="datetimeFigureOut">
               <a:rPr lang="de-DE" smtClean="0"/>
-              <a:t>04.09.17</a:t>
+              <a:t>10.09.17</a:t>
             </a:fld>
             <a:endParaRPr lang="de-DE"/>
           </a:p>
@@ -2096,7 +2103,7 @@
           <a:p>
             <a:fld id="{C4952158-F6FE-8144-9F31-4BF7E8909836}" type="datetimeFigureOut">
               <a:rPr lang="de-DE" smtClean="0"/>
-              <a:t>04.09.17</a:t>
+              <a:t>10.09.17</a:t>
             </a:fld>
             <a:endParaRPr lang="de-DE"/>
           </a:p>
@@ -2349,7 +2356,7 @@
           <a:p>
             <a:fld id="{C4952158-F6FE-8144-9F31-4BF7E8909836}" type="datetimeFigureOut">
               <a:rPr lang="de-DE" smtClean="0"/>
-              <a:t>04.09.17</a:t>
+              <a:t>10.09.17</a:t>
             </a:fld>
             <a:endParaRPr lang="de-DE"/>
           </a:p>
@@ -2562,7 +2569,7 @@
           <a:p>
             <a:fld id="{C4952158-F6FE-8144-9F31-4BF7E8909836}" type="datetimeFigureOut">
               <a:rPr lang="de-DE" smtClean="0"/>
-              <a:t>04.09.17</a:t>
+              <a:t>10.09.17</a:t>
             </a:fld>
             <a:endParaRPr lang="de-DE"/>
           </a:p>
@@ -4540,6 +4547,228 @@
 </p:sld>
 </file>
 
+<file path=ppt/slides/slide5.xml><?xml version="1.0" encoding="utf-8"?>
+<p:sld xmlns:a="http://schemas.openxmlformats.org/drawingml/2006/main" xmlns:r="http://schemas.openxmlformats.org/officeDocument/2006/relationships" xmlns:p="http://schemas.openxmlformats.org/presentationml/2006/main">
+  <p:cSld>
+    <p:spTree>
+      <p:nvGrpSpPr>
+        <p:cNvPr id="1" name=""/>
+        <p:cNvGrpSpPr/>
+        <p:nvPr/>
+      </p:nvGrpSpPr>
+      <p:grpSpPr>
+        <a:xfrm>
+          <a:off x="0" y="0"/>
+          <a:ext cx="0" cy="0"/>
+          <a:chOff x="0" y="0"/>
+          <a:chExt cx="0" cy="0"/>
+        </a:xfrm>
+      </p:grpSpPr>
+      <p:sp>
+        <p:nvSpPr>
+          <p:cNvPr id="2" name="Textfeld 1"/>
+          <p:cNvSpPr txBox="1"/>
+          <p:nvPr/>
+        </p:nvSpPr>
+        <p:spPr>
+          <a:xfrm>
+            <a:off x="4916831" y="-481916"/>
+            <a:ext cx="2358338" cy="7725192"/>
+          </a:xfrm>
+          <a:prstGeom prst="rect">
+            <a:avLst/>
+          </a:prstGeom>
+          <a:noFill/>
+        </p:spPr>
+        <p:txBody>
+          <a:bodyPr wrap="none" rtlCol="0">
+            <a:spAutoFit/>
+          </a:bodyPr>
+          <a:lstStyle/>
+          <a:p>
+            <a:r>
+              <a:rPr lang="de-DE" sz="49600" b="1" dirty="0" smtClean="0">
+                <a:solidFill>
+                  <a:schemeClr val="bg1">
+                    <a:lumMod val="75000"/>
+                  </a:schemeClr>
+                </a:solidFill>
+                <a:latin typeface="Verdana" charset="0"/>
+                <a:ea typeface="Verdana" charset="0"/>
+                <a:cs typeface="Verdana" charset="0"/>
+              </a:rPr>
+              <a:t>i</a:t>
+            </a:r>
+            <a:endParaRPr lang="de-DE" sz="49600" b="1" dirty="0">
+              <a:solidFill>
+                <a:schemeClr val="bg1">
+                  <a:lumMod val="75000"/>
+                </a:schemeClr>
+              </a:solidFill>
+              <a:latin typeface="Verdana" charset="0"/>
+              <a:ea typeface="Verdana" charset="0"/>
+              <a:cs typeface="Verdana" charset="0"/>
+            </a:endParaRPr>
+          </a:p>
+        </p:txBody>
+      </p:sp>
+      <p:sp>
+        <p:nvSpPr>
+          <p:cNvPr id="6" name="Rechteck 5"/>
+          <p:cNvSpPr/>
+          <p:nvPr/>
+        </p:nvSpPr>
+        <p:spPr>
+          <a:xfrm>
+            <a:off x="5529129" y="2367185"/>
+            <a:ext cx="1102407" cy="3486684"/>
+          </a:xfrm>
+          <a:prstGeom prst="rect">
+            <a:avLst/>
+          </a:prstGeom>
+        </p:spPr>
+        <p:style>
+          <a:lnRef idx="1">
+            <a:schemeClr val="accent3"/>
+          </a:lnRef>
+          <a:fillRef idx="2">
+            <a:schemeClr val="accent3"/>
+          </a:fillRef>
+          <a:effectRef idx="1">
+            <a:schemeClr val="accent3"/>
+          </a:effectRef>
+          <a:fontRef idx="minor">
+            <a:schemeClr val="dk1"/>
+          </a:fontRef>
+        </p:style>
+        <p:txBody>
+          <a:bodyPr rtlCol="0" anchor="ctr"/>
+          <a:lstStyle/>
+          <a:p>
+            <a:pPr algn="ctr"/>
+            <a:endParaRPr lang="de-DE"/>
+          </a:p>
+        </p:txBody>
+      </p:sp>
+      <p:sp>
+        <p:nvSpPr>
+          <p:cNvPr id="7" name="Rechteck 6"/>
+          <p:cNvSpPr/>
+          <p:nvPr/>
+        </p:nvSpPr>
+        <p:spPr>
+          <a:xfrm>
+            <a:off x="5503492" y="1034041"/>
+            <a:ext cx="1179319" cy="863125"/>
+          </a:xfrm>
+          <a:prstGeom prst="rect">
+            <a:avLst/>
+          </a:prstGeom>
+        </p:spPr>
+        <p:style>
+          <a:lnRef idx="1">
+            <a:schemeClr val="accent3"/>
+          </a:lnRef>
+          <a:fillRef idx="2">
+            <a:schemeClr val="accent3"/>
+          </a:fillRef>
+          <a:effectRef idx="1">
+            <a:schemeClr val="accent3"/>
+          </a:effectRef>
+          <a:fontRef idx="minor">
+            <a:schemeClr val="dk1"/>
+          </a:fontRef>
+        </p:style>
+        <p:txBody>
+          <a:bodyPr rtlCol="0" anchor="ctr"/>
+          <a:lstStyle/>
+          <a:p>
+            <a:pPr algn="ctr"/>
+            <a:endParaRPr lang="de-DE"/>
+          </a:p>
+        </p:txBody>
+      </p:sp>
+    </p:spTree>
+    <p:extLst>
+      <p:ext uri="{BB962C8B-B14F-4D97-AF65-F5344CB8AC3E}">
+        <p14:creationId xmlns:p14="http://schemas.microsoft.com/office/powerpoint/2010/main" val="1695476909"/>
+      </p:ext>
+    </p:extLst>
+  </p:cSld>
+  <p:clrMapOvr>
+    <a:masterClrMapping/>
+  </p:clrMapOvr>
+</p:sld>
+</file>
+
+<file path=ppt/slides/slide6.xml><?xml version="1.0" encoding="utf-8"?>
+<p:sld xmlns:a="http://schemas.openxmlformats.org/drawingml/2006/main" xmlns:r="http://schemas.openxmlformats.org/officeDocument/2006/relationships" xmlns:p="http://schemas.openxmlformats.org/presentationml/2006/main">
+  <p:cSld>
+    <p:spTree>
+      <p:nvGrpSpPr>
+        <p:cNvPr id="1" name=""/>
+        <p:cNvGrpSpPr/>
+        <p:nvPr/>
+      </p:nvGrpSpPr>
+      <p:grpSpPr>
+        <a:xfrm>
+          <a:off x="0" y="0"/>
+          <a:ext cx="0" cy="0"/>
+          <a:chOff x="0" y="0"/>
+          <a:chExt cx="0" cy="0"/>
+        </a:xfrm>
+      </p:grpSpPr>
+      <p:sp>
+        <p:nvSpPr>
+          <p:cNvPr id="2" name="Titel 1"/>
+          <p:cNvSpPr>
+            <a:spLocks noGrp="1"/>
+          </p:cNvSpPr>
+          <p:nvPr>
+            <p:ph type="title"/>
+          </p:nvPr>
+        </p:nvSpPr>
+        <p:spPr/>
+        <p:txBody>
+          <a:bodyPr/>
+          <a:lstStyle/>
+          <a:p>
+            <a:endParaRPr lang="de-DE"/>
+          </a:p>
+        </p:txBody>
+      </p:sp>
+      <p:sp>
+        <p:nvSpPr>
+          <p:cNvPr id="3" name="Inhaltsplatzhalter 2"/>
+          <p:cNvSpPr>
+            <a:spLocks noGrp="1"/>
+          </p:cNvSpPr>
+          <p:nvPr>
+            <p:ph idx="1"/>
+          </p:nvPr>
+        </p:nvSpPr>
+        <p:spPr/>
+        <p:txBody>
+          <a:bodyPr/>
+          <a:lstStyle/>
+          <a:p>
+            <a:endParaRPr lang="de-DE"/>
+          </a:p>
+        </p:txBody>
+      </p:sp>
+    </p:spTree>
+    <p:extLst>
+      <p:ext uri="{BB962C8B-B14F-4D97-AF65-F5344CB8AC3E}">
+        <p14:creationId xmlns:p14="http://schemas.microsoft.com/office/powerpoint/2010/main" val="1816825783"/>
+      </p:ext>
+    </p:extLst>
+  </p:cSld>
+  <p:clrMapOvr>
+    <a:masterClrMapping/>
+  </p:clrMapOvr>
+</p:sld>
+</file>
+
 <file path=ppt/theme/theme1.xml><?xml version="1.0" encoding="utf-8"?>
 <a:theme xmlns:a="http://schemas.openxmlformats.org/drawingml/2006/main" name="Office-Design">
   <a:themeElements>
